--- a/slides/Apache Spark Bootcamp.pptx
+++ b/slides/Apache Spark Bootcamp.pptx
@@ -217,7 +217,7 @@
           <a:p>
             <a:fld id="{AA139F5D-FCEB-4534-99AC-8CD0F9E0A06F}" type="datetimeFigureOut">
               <a:rPr lang="en-US" smtClean="0"/>
-              <a:t>2/15/2019</a:t>
+              <a:t>2/1/2021</a:t>
             </a:fld>
             <a:endParaRPr lang="en-US"/>
           </a:p>
@@ -681,7 +681,7 @@
           <a:p>
             <a:fld id="{E633BF23-5A0D-4140-8F65-2D6DFEB09403}" type="datetimeFigureOut">
               <a:rPr lang="en-US" smtClean="0"/>
-              <a:t>2/15/2019</a:t>
+              <a:t>2/1/2021</a:t>
             </a:fld>
             <a:endParaRPr lang="en-US"/>
           </a:p>
@@ -902,7 +902,7 @@
           <a:p>
             <a:fld id="{E633BF23-5A0D-4140-8F65-2D6DFEB09403}" type="datetimeFigureOut">
               <a:rPr lang="en-US" smtClean="0"/>
-              <a:t>2/15/2019</a:t>
+              <a:t>2/1/2021</a:t>
             </a:fld>
             <a:endParaRPr lang="en-US"/>
           </a:p>
@@ -1082,7 +1082,7 @@
           <a:p>
             <a:fld id="{E633BF23-5A0D-4140-8F65-2D6DFEB09403}" type="datetimeFigureOut">
               <a:rPr lang="en-US" smtClean="0"/>
-              <a:t>2/15/2019</a:t>
+              <a:t>2/1/2021</a:t>
             </a:fld>
             <a:endParaRPr lang="en-US"/>
           </a:p>
@@ -1252,7 +1252,7 @@
           <a:p>
             <a:fld id="{E633BF23-5A0D-4140-8F65-2D6DFEB09403}" type="datetimeFigureOut">
               <a:rPr lang="en-US" smtClean="0"/>
-              <a:t>2/15/2019</a:t>
+              <a:t>2/1/2021</a:t>
             </a:fld>
             <a:endParaRPr lang="en-US"/>
           </a:p>
@@ -1503,7 +1503,7 @@
           <a:p>
             <a:fld id="{E633BF23-5A0D-4140-8F65-2D6DFEB09403}" type="datetimeFigureOut">
               <a:rPr lang="en-US" smtClean="0"/>
-              <a:t>2/15/2019</a:t>
+              <a:t>2/1/2021</a:t>
             </a:fld>
             <a:endParaRPr lang="en-US"/>
           </a:p>
@@ -1826,7 +1826,7 @@
           <a:p>
             <a:fld id="{E633BF23-5A0D-4140-8F65-2D6DFEB09403}" type="datetimeFigureOut">
               <a:rPr lang="en-US" smtClean="0"/>
-              <a:t>2/15/2019</a:t>
+              <a:t>2/1/2021</a:t>
             </a:fld>
             <a:endParaRPr lang="en-US"/>
           </a:p>
@@ -2250,7 +2250,7 @@
           <a:p>
             <a:fld id="{E633BF23-5A0D-4140-8F65-2D6DFEB09403}" type="datetimeFigureOut">
               <a:rPr lang="en-US" smtClean="0"/>
-              <a:t>2/15/2019</a:t>
+              <a:t>2/1/2021</a:t>
             </a:fld>
             <a:endParaRPr lang="en-US"/>
           </a:p>
@@ -2368,7 +2368,7 @@
           <a:p>
             <a:fld id="{E633BF23-5A0D-4140-8F65-2D6DFEB09403}" type="datetimeFigureOut">
               <a:rPr lang="en-US" smtClean="0"/>
-              <a:t>2/15/2019</a:t>
+              <a:t>2/1/2021</a:t>
             </a:fld>
             <a:endParaRPr lang="en-US"/>
           </a:p>
@@ -2463,7 +2463,7 @@
           <a:p>
             <a:fld id="{E633BF23-5A0D-4140-8F65-2D6DFEB09403}" type="datetimeFigureOut">
               <a:rPr lang="en-US" smtClean="0"/>
-              <a:t>2/15/2019</a:t>
+              <a:t>2/1/2021</a:t>
             </a:fld>
             <a:endParaRPr lang="en-US"/>
           </a:p>
@@ -2753,7 +2753,7 @@
           <a:p>
             <a:fld id="{E633BF23-5A0D-4140-8F65-2D6DFEB09403}" type="datetimeFigureOut">
               <a:rPr lang="en-US" smtClean="0"/>
-              <a:t>2/15/2019</a:t>
+              <a:t>2/1/2021</a:t>
             </a:fld>
             <a:endParaRPr lang="en-US"/>
           </a:p>
@@ -3025,7 +3025,7 @@
           <a:p>
             <a:fld id="{E633BF23-5A0D-4140-8F65-2D6DFEB09403}" type="datetimeFigureOut">
               <a:rPr lang="en-US" smtClean="0"/>
-              <a:t>2/15/2019</a:t>
+              <a:t>2/1/2021</a:t>
             </a:fld>
             <a:endParaRPr lang="en-US"/>
           </a:p>
@@ -3279,7 +3279,7 @@
           <a:p>
             <a:fld id="{E633BF23-5A0D-4140-8F65-2D6DFEB09403}" type="datetimeFigureOut">
               <a:rPr lang="en-US" smtClean="0"/>
-              <a:t>2/15/2019</a:t>
+              <a:t>2/1/2021</a:t>
             </a:fld>
             <a:endParaRPr lang="en-US"/>
           </a:p>
@@ -4089,7 +4089,19 @@
           <a:p>
             <a:r>
               <a:rPr lang="en-GB" dirty="0" smtClean="0"/>
-              <a:t>Standalone cluster requires 1 master, and as many slaves as you need / have nodes</a:t>
+              <a:t>Standalone cluster requires 1 master, and as many </a:t>
+            </a:r>
+            <a:r>
+              <a:rPr lang="en-GB" dirty="0" smtClean="0"/>
+              <a:t>workers</a:t>
+            </a:r>
+            <a:r>
+              <a:rPr lang="en-GB" dirty="0" smtClean="0"/>
+              <a:t> </a:t>
+            </a:r>
+            <a:r>
+              <a:rPr lang="en-GB" dirty="0" smtClean="0"/>
+              <a:t>as you need / have nodes</a:t>
             </a:r>
           </a:p>
           <a:p>
@@ -4285,74 +4297,83 @@
         <p:spPr/>
         <p:txBody>
           <a:bodyPr>
-            <a:normAutofit/>
+            <a:normAutofit fontScale="92500" lnSpcReduction="10000"/>
           </a:bodyPr>
           <a:lstStyle/>
           <a:p>
             <a:r>
               <a:rPr lang="nl-NL" dirty="0"/>
-              <a:t>Docker image: </a:t>
+              <a:t>Docker image</a:t>
+            </a:r>
+            <a:r>
+              <a:rPr lang="nl-NL" dirty="0"/>
+              <a:t>: </a:t>
             </a:r>
             <a:r>
               <a:rPr lang="nl-NL" dirty="0">
                 <a:hlinkClick r:id="rId2"/>
               </a:rPr>
-              <a:t>https://</a:t>
+              <a:t>https://hub.docker.com/r/bitnami/spark</a:t>
             </a:r>
             <a:r>
               <a:rPr lang="nl-NL" dirty="0" smtClean="0">
                 <a:hlinkClick r:id="rId2"/>
               </a:rPr>
-              <a:t>github.com/gettyimages/docker-spark</a:t>
+              <a:t>/</a:t>
+            </a:r>
+            <a:endParaRPr lang="nl-NL" dirty="0" smtClean="0"/>
+          </a:p>
+          <a:p>
+            <a:endParaRPr lang="nl-NL" dirty="0" smtClean="0"/>
+          </a:p>
+          <a:p>
+            <a:r>
+              <a:rPr lang="nl-NL" dirty="0" err="1" smtClean="0"/>
+              <a:t>Create</a:t>
             </a:r>
             <a:r>
               <a:rPr lang="nl-NL" dirty="0" smtClean="0"/>
+              <a:t> user-</a:t>
+            </a:r>
+            <a:r>
+              <a:rPr lang="nl-NL" dirty="0" err="1" smtClean="0"/>
+              <a:t>defined</a:t>
+            </a:r>
+            <a:r>
+              <a:rPr lang="nl-NL" dirty="0" smtClean="0"/>
+              <a:t> bridge </a:t>
+            </a:r>
+            <a:r>
+              <a:rPr lang="nl-NL" dirty="0" err="1" smtClean="0"/>
+              <a:t>network</a:t>
+            </a:r>
+            <a:r>
+              <a:rPr lang="nl-NL" dirty="0" smtClean="0"/>
+              <a:t>:</a:t>
+            </a:r>
+          </a:p>
+          <a:p>
+            <a:pPr lvl="1"/>
+            <a:r>
+              <a:rPr lang="nl-NL" dirty="0" err="1">
+                <a:latin typeface="Courier New" panose="02070309020205020404" pitchFamily="49" charset="0"/>
+                <a:cs typeface="Courier New" panose="02070309020205020404" pitchFamily="49" charset="0"/>
+              </a:rPr>
+              <a:t>docker</a:t>
+            </a:r>
+            <a:r>
+              <a:rPr lang="nl-NL" dirty="0">
+                <a:latin typeface="Courier New" panose="02070309020205020404" pitchFamily="49" charset="0"/>
+                <a:cs typeface="Courier New" panose="02070309020205020404" pitchFamily="49" charset="0"/>
+              </a:rPr>
               <a:t> </a:t>
             </a:r>
-            <a:endParaRPr lang="nl-NL" dirty="0" smtClean="0"/>
-          </a:p>
-          <a:p>
-            <a:pPr lvl="1"/>
-            <a:r>
-              <a:rPr lang="nl-NL" dirty="0" err="1" smtClean="0"/>
-              <a:t>Spark</a:t>
-            </a:r>
-            <a:r>
-              <a:rPr lang="nl-NL" dirty="0" smtClean="0"/>
-              <a:t> 2.4.0, </a:t>
-            </a:r>
-            <a:r>
-              <a:rPr lang="nl-NL" dirty="0" smtClean="0"/>
-              <a:t>Scala 2.11.12, </a:t>
-            </a:r>
-            <a:r>
-              <a:rPr lang="nl-NL" dirty="0" err="1" smtClean="0"/>
-              <a:t>SBT</a:t>
-            </a:r>
-            <a:r>
-              <a:rPr lang="nl-NL" dirty="0" smtClean="0"/>
-              <a:t> </a:t>
-            </a:r>
-            <a:r>
-              <a:rPr lang="nl-NL" dirty="0" smtClean="0"/>
-              <a:t>1.2.8</a:t>
-            </a:r>
-            <a:endParaRPr lang="nl-NL" dirty="0"/>
-          </a:p>
-          <a:p>
-            <a:r>
-              <a:rPr lang="nl-NL" dirty="0" smtClean="0"/>
-              <a:t>Start Master:</a:t>
-            </a:r>
-          </a:p>
-          <a:p>
-            <a:pPr lvl="1"/>
             <a:r>
               <a:rPr lang="nl-NL" dirty="0" err="1" smtClean="0">
                 <a:latin typeface="Courier New" panose="02070309020205020404" pitchFamily="49" charset="0"/>
                 <a:cs typeface="Courier New" panose="02070309020205020404" pitchFamily="49" charset="0"/>
               </a:rPr>
-              <a:t>docker</a:t>
+              <a:t>network</a:t>
             </a:r>
             <a:r>
               <a:rPr lang="nl-NL" dirty="0" smtClean="0">
@@ -4362,74 +4383,123 @@
               <a:t> </a:t>
             </a:r>
             <a:r>
+              <a:rPr lang="nl-NL" dirty="0" err="1" smtClean="0">
+                <a:latin typeface="Courier New" panose="02070309020205020404" pitchFamily="49" charset="0"/>
+                <a:cs typeface="Courier New" panose="02070309020205020404" pitchFamily="49" charset="0"/>
+              </a:rPr>
+              <a:t>create</a:t>
+            </a:r>
+            <a:r>
+              <a:rPr lang="nl-NL" dirty="0" smtClean="0">
+                <a:latin typeface="Courier New" panose="02070309020205020404" pitchFamily="49" charset="0"/>
+                <a:cs typeface="Courier New" panose="02070309020205020404" pitchFamily="49" charset="0"/>
+              </a:rPr>
+              <a:t> </a:t>
+            </a:r>
+            <a:r>
+              <a:rPr lang="nl-NL" dirty="0" err="1" smtClean="0">
+                <a:latin typeface="Courier New" panose="02070309020205020404" pitchFamily="49" charset="0"/>
+                <a:cs typeface="Courier New" panose="02070309020205020404" pitchFamily="49" charset="0"/>
+              </a:rPr>
+              <a:t>spark-network</a:t>
+            </a:r>
+            <a:endParaRPr lang="nl-NL" dirty="0" smtClean="0"/>
+          </a:p>
+          <a:p>
+            <a:r>
+              <a:rPr lang="nl-NL" dirty="0" smtClean="0"/>
+              <a:t>Start </a:t>
+            </a:r>
+            <a:r>
+              <a:rPr lang="nl-NL" dirty="0" smtClean="0"/>
+              <a:t>Master:</a:t>
+            </a:r>
+          </a:p>
+          <a:p>
+            <a:pPr lvl="1"/>
+            <a:r>
+              <a:rPr lang="nl-NL" dirty="0" err="1" smtClean="0">
+                <a:latin typeface="Courier New" panose="02070309020205020404" pitchFamily="49" charset="0"/>
+                <a:cs typeface="Courier New" panose="02070309020205020404" pitchFamily="49" charset="0"/>
+              </a:rPr>
+              <a:t>docker</a:t>
+            </a:r>
+            <a:r>
+              <a:rPr lang="nl-NL" dirty="0" smtClean="0">
+                <a:latin typeface="Courier New" panose="02070309020205020404" pitchFamily="49" charset="0"/>
+                <a:cs typeface="Courier New" panose="02070309020205020404" pitchFamily="49" charset="0"/>
+              </a:rPr>
+              <a:t> run </a:t>
+            </a:r>
+            <a:r>
               <a:rPr lang="nl-NL" dirty="0">
                 <a:latin typeface="Courier New" panose="02070309020205020404" pitchFamily="49" charset="0"/>
                 <a:cs typeface="Courier New" panose="02070309020205020404" pitchFamily="49" charset="0"/>
               </a:rPr>
-              <a:t>run -d --</a:t>
+              <a:t>-d --name </a:t>
             </a:r>
             <a:r>
               <a:rPr lang="nl-NL" dirty="0" err="1">
                 <a:latin typeface="Courier New" panose="02070309020205020404" pitchFamily="49" charset="0"/>
                 <a:cs typeface="Courier New" panose="02070309020205020404" pitchFamily="49" charset="0"/>
               </a:rPr>
-              <a:t>rm</a:t>
+              <a:t>spark</a:t>
             </a:r>
             <a:r>
               <a:rPr lang="nl-NL" dirty="0">
                 <a:latin typeface="Courier New" panose="02070309020205020404" pitchFamily="49" charset="0"/>
                 <a:cs typeface="Courier New" panose="02070309020205020404" pitchFamily="49" charset="0"/>
               </a:rPr>
-              <a:t> --name </a:t>
+              <a:t>-master -p 4040:4040 -p 8080-8081:8080-8081 -p 7077:7077 --</a:t>
             </a:r>
             <a:r>
               <a:rPr lang="nl-NL" dirty="0" err="1">
                 <a:latin typeface="Courier New" panose="02070309020205020404" pitchFamily="49" charset="0"/>
                 <a:cs typeface="Courier New" panose="02070309020205020404" pitchFamily="49" charset="0"/>
               </a:rPr>
-              <a:t>spark</a:t>
+              <a:t>network</a:t>
             </a:r>
             <a:r>
               <a:rPr lang="nl-NL" dirty="0">
                 <a:latin typeface="Courier New" panose="02070309020205020404" pitchFamily="49" charset="0"/>
                 <a:cs typeface="Courier New" panose="02070309020205020404" pitchFamily="49" charset="0"/>
               </a:rPr>
-              <a:t>-master -p 4040:4040 -p 8080-8081:8080-8081 -p 7077:7077 --</a:t>
+              <a:t> </a:t>
             </a:r>
             <a:r>
               <a:rPr lang="nl-NL" dirty="0" err="1">
                 <a:latin typeface="Courier New" panose="02070309020205020404" pitchFamily="49" charset="0"/>
                 <a:cs typeface="Courier New" panose="02070309020205020404" pitchFamily="49" charset="0"/>
               </a:rPr>
-              <a:t>network</a:t>
+              <a:t>spark-network</a:t>
             </a:r>
             <a:r>
               <a:rPr lang="nl-NL" dirty="0">
                 <a:latin typeface="Courier New" panose="02070309020205020404" pitchFamily="49" charset="0"/>
                 <a:cs typeface="Courier New" panose="02070309020205020404" pitchFamily="49" charset="0"/>
               </a:rPr>
-              <a:t> </a:t>
+              <a:t> -e </a:t>
             </a:r>
             <a:r>
               <a:rPr lang="nl-NL" dirty="0" err="1">
                 <a:latin typeface="Courier New" panose="02070309020205020404" pitchFamily="49" charset="0"/>
                 <a:cs typeface="Courier New" panose="02070309020205020404" pitchFamily="49" charset="0"/>
               </a:rPr>
-              <a:t>spark-network</a:t>
+              <a:t>SPARK_MODE</a:t>
             </a:r>
             <a:r>
               <a:rPr lang="nl-NL" dirty="0">
                 <a:latin typeface="Courier New" panose="02070309020205020404" pitchFamily="49" charset="0"/>
                 <a:cs typeface="Courier New" panose="02070309020205020404" pitchFamily="49" charset="0"/>
               </a:rPr>
-              <a:t> </a:t>
+              <a:t>=master </a:t>
             </a:r>
             <a:r>
               <a:rPr lang="nl-NL" dirty="0" err="1">
                 <a:latin typeface="Courier New" panose="02070309020205020404" pitchFamily="49" charset="0"/>
                 <a:cs typeface="Courier New" panose="02070309020205020404" pitchFamily="49" charset="0"/>
               </a:rPr>
-              <a:t>gettyimages</a:t>
+              <a:t>bitnami</a:t>
             </a:r>
             <a:r>
               <a:rPr lang="nl-NL" dirty="0">
@@ -4450,174 +4520,154 @@
                 <a:latin typeface="Courier New" panose="02070309020205020404" pitchFamily="49" charset="0"/>
                 <a:cs typeface="Courier New" panose="02070309020205020404" pitchFamily="49" charset="0"/>
               </a:rPr>
-              <a:t> bin/</a:t>
-            </a:r>
+              <a:t> </a:t>
+            </a:r>
+            <a:endParaRPr lang="nl-NL" dirty="0" smtClean="0">
+              <a:latin typeface="Courier New" panose="02070309020205020404" pitchFamily="49" charset="0"/>
+              <a:cs typeface="Courier New" panose="02070309020205020404" pitchFamily="49" charset="0"/>
+            </a:endParaRPr>
+          </a:p>
+          <a:p>
+            <a:r>
+              <a:rPr lang="nl-NL" dirty="0" smtClean="0"/>
+              <a:t>Start </a:t>
+            </a:r>
+            <a:r>
+              <a:rPr lang="nl-NL" dirty="0" err="1" smtClean="0"/>
+              <a:t>Worker</a:t>
+            </a:r>
+            <a:r>
+              <a:rPr lang="nl-NL" dirty="0" smtClean="0"/>
+              <a:t>(s):</a:t>
+            </a:r>
+          </a:p>
+          <a:p>
+            <a:pPr lvl="1"/>
             <a:r>
               <a:rPr lang="nl-NL" dirty="0" err="1">
                 <a:latin typeface="Courier New" panose="02070309020205020404" pitchFamily="49" charset="0"/>
                 <a:cs typeface="Courier New" panose="02070309020205020404" pitchFamily="49" charset="0"/>
               </a:rPr>
-              <a:t>spark</a:t>
+              <a:t>docker</a:t>
             </a:r>
             <a:r>
               <a:rPr lang="nl-NL" dirty="0">
                 <a:latin typeface="Courier New" panose="02070309020205020404" pitchFamily="49" charset="0"/>
                 <a:cs typeface="Courier New" panose="02070309020205020404" pitchFamily="49" charset="0"/>
               </a:rPr>
-              <a:t>-class </a:t>
+              <a:t> run -d --name </a:t>
+            </a:r>
+            <a:r>
+              <a:rPr lang="nl-NL" dirty="0" err="1">
+                <a:latin typeface="Courier New" panose="02070309020205020404" pitchFamily="49" charset="0"/>
+                <a:cs typeface="Courier New" panose="02070309020205020404" pitchFamily="49" charset="0"/>
+              </a:rPr>
+              <a:t>spark-worker</a:t>
+            </a:r>
+            <a:r>
+              <a:rPr lang="nl-NL" dirty="0">
+                <a:latin typeface="Courier New" panose="02070309020205020404" pitchFamily="49" charset="0"/>
+                <a:cs typeface="Courier New" panose="02070309020205020404" pitchFamily="49" charset="0"/>
+              </a:rPr>
+              <a:t> --</a:t>
+            </a:r>
+            <a:r>
+              <a:rPr lang="nl-NL" dirty="0" err="1">
+                <a:latin typeface="Courier New" panose="02070309020205020404" pitchFamily="49" charset="0"/>
+                <a:cs typeface="Courier New" panose="02070309020205020404" pitchFamily="49" charset="0"/>
+              </a:rPr>
+              <a:t>network</a:t>
+            </a:r>
+            <a:r>
+              <a:rPr lang="nl-NL" dirty="0">
+                <a:latin typeface="Courier New" panose="02070309020205020404" pitchFamily="49" charset="0"/>
+                <a:cs typeface="Courier New" panose="02070309020205020404" pitchFamily="49" charset="0"/>
+              </a:rPr>
+              <a:t> </a:t>
+            </a:r>
+            <a:r>
+              <a:rPr lang="nl-NL" dirty="0" err="1">
+                <a:latin typeface="Courier New" panose="02070309020205020404" pitchFamily="49" charset="0"/>
+                <a:cs typeface="Courier New" panose="02070309020205020404" pitchFamily="49" charset="0"/>
+              </a:rPr>
+              <a:t>spark-network</a:t>
+            </a:r>
+            <a:r>
+              <a:rPr lang="nl-NL" dirty="0">
+                <a:latin typeface="Courier New" panose="02070309020205020404" pitchFamily="49" charset="0"/>
+                <a:cs typeface="Courier New" panose="02070309020205020404" pitchFamily="49" charset="0"/>
+              </a:rPr>
+              <a:t> -e </a:t>
+            </a:r>
+            <a:r>
+              <a:rPr lang="nl-NL" dirty="0" err="1">
+                <a:latin typeface="Courier New" panose="02070309020205020404" pitchFamily="49" charset="0"/>
+                <a:cs typeface="Courier New" panose="02070309020205020404" pitchFamily="49" charset="0"/>
+              </a:rPr>
+              <a:t>SPARK_MODE</a:t>
+            </a:r>
+            <a:r>
+              <a:rPr lang="nl-NL" dirty="0">
+                <a:latin typeface="Courier New" panose="02070309020205020404" pitchFamily="49" charset="0"/>
+                <a:cs typeface="Courier New" panose="02070309020205020404" pitchFamily="49" charset="0"/>
+              </a:rPr>
+              <a:t>=</a:t>
+            </a:r>
+            <a:r>
+              <a:rPr lang="nl-NL" dirty="0" err="1">
+                <a:latin typeface="Courier New" panose="02070309020205020404" pitchFamily="49" charset="0"/>
+                <a:cs typeface="Courier New" panose="02070309020205020404" pitchFamily="49" charset="0"/>
+              </a:rPr>
+              <a:t>worker</a:t>
+            </a:r>
+            <a:r>
+              <a:rPr lang="nl-NL" dirty="0">
+                <a:latin typeface="Courier New" panose="02070309020205020404" pitchFamily="49" charset="0"/>
+                <a:cs typeface="Courier New" panose="02070309020205020404" pitchFamily="49" charset="0"/>
+              </a:rPr>
+              <a:t> -e </a:t>
+            </a:r>
+            <a:r>
+              <a:rPr lang="nl-NL" dirty="0" err="1">
+                <a:latin typeface="Courier New" panose="02070309020205020404" pitchFamily="49" charset="0"/>
+                <a:cs typeface="Courier New" panose="02070309020205020404" pitchFamily="49" charset="0"/>
+              </a:rPr>
+              <a:t>SPARK_MASTER_URL</a:t>
+            </a:r>
+            <a:r>
+              <a:rPr lang="nl-NL" dirty="0">
+                <a:latin typeface="Courier New" panose="02070309020205020404" pitchFamily="49" charset="0"/>
+                <a:cs typeface="Courier New" panose="02070309020205020404" pitchFamily="49" charset="0"/>
+              </a:rPr>
+              <a:t>=spark://</a:t>
+            </a:r>
+            <a:r>
+              <a:rPr lang="nl-NL" dirty="0" smtClean="0">
+                <a:latin typeface="Courier New" panose="02070309020205020404" pitchFamily="49" charset="0"/>
+                <a:cs typeface="Courier New" panose="02070309020205020404" pitchFamily="49" charset="0"/>
+              </a:rPr>
+              <a:t>spark-master:7077 </a:t>
             </a:r>
             <a:r>
               <a:rPr lang="nl-NL" dirty="0" err="1" smtClean="0">
                 <a:latin typeface="Courier New" panose="02070309020205020404" pitchFamily="49" charset="0"/>
                 <a:cs typeface="Courier New" panose="02070309020205020404" pitchFamily="49" charset="0"/>
               </a:rPr>
-              <a:t>org.apache.spark.deploy.master.Master</a:t>
-            </a:r>
-            <a:endParaRPr lang="nl-NL" dirty="0">
-              <a:latin typeface="Courier New" panose="02070309020205020404" pitchFamily="49" charset="0"/>
-              <a:cs typeface="Courier New" panose="02070309020205020404" pitchFamily="49" charset="0"/>
-            </a:endParaRPr>
-          </a:p>
-          <a:p>
-            <a:r>
-              <a:rPr lang="nl-NL" dirty="0" smtClean="0"/>
-              <a:t>Start Slave(s) / Worker(s):</a:t>
-            </a:r>
-          </a:p>
-          <a:p>
-            <a:pPr lvl="1"/>
+              <a:t>bitnami</a:t>
+            </a:r>
+            <a:r>
+              <a:rPr lang="nl-NL" dirty="0" smtClean="0">
+                <a:latin typeface="Courier New" panose="02070309020205020404" pitchFamily="49" charset="0"/>
+                <a:cs typeface="Courier New" panose="02070309020205020404" pitchFamily="49" charset="0"/>
+              </a:rPr>
+              <a:t>/</a:t>
+            </a:r>
             <a:r>
               <a:rPr lang="nl-NL" dirty="0" err="1" smtClean="0">
                 <a:latin typeface="Courier New" panose="02070309020205020404" pitchFamily="49" charset="0"/>
                 <a:cs typeface="Courier New" panose="02070309020205020404" pitchFamily="49" charset="0"/>
               </a:rPr>
-              <a:t>docker</a:t>
-            </a:r>
-            <a:r>
-              <a:rPr lang="nl-NL" dirty="0" smtClean="0">
-                <a:latin typeface="Courier New" panose="02070309020205020404" pitchFamily="49" charset="0"/>
-                <a:cs typeface="Courier New" panose="02070309020205020404" pitchFamily="49" charset="0"/>
-              </a:rPr>
-              <a:t> </a:t>
-            </a:r>
-            <a:r>
-              <a:rPr lang="nl-NL" dirty="0">
-                <a:latin typeface="Courier New" panose="02070309020205020404" pitchFamily="49" charset="0"/>
-                <a:cs typeface="Courier New" panose="02070309020205020404" pitchFamily="49" charset="0"/>
-              </a:rPr>
-              <a:t>run -d --</a:t>
-            </a:r>
-            <a:r>
-              <a:rPr lang="nl-NL" dirty="0" err="1">
-                <a:latin typeface="Courier New" panose="02070309020205020404" pitchFamily="49" charset="0"/>
-                <a:cs typeface="Courier New" panose="02070309020205020404" pitchFamily="49" charset="0"/>
-              </a:rPr>
-              <a:t>rm</a:t>
-            </a:r>
-            <a:r>
-              <a:rPr lang="nl-NL" dirty="0">
-                <a:latin typeface="Courier New" panose="02070309020205020404" pitchFamily="49" charset="0"/>
-                <a:cs typeface="Courier New" panose="02070309020205020404" pitchFamily="49" charset="0"/>
-              </a:rPr>
-              <a:t> --name </a:t>
-            </a:r>
-            <a:r>
-              <a:rPr lang="nl-NL" dirty="0" smtClean="0">
-                <a:latin typeface="Courier New" panose="02070309020205020404" pitchFamily="49" charset="0"/>
-                <a:cs typeface="Courier New" panose="02070309020205020404" pitchFamily="49" charset="0"/>
-              </a:rPr>
-              <a:t>spark-worker-1 </a:t>
-            </a:r>
-            <a:r>
-              <a:rPr lang="nl-NL" dirty="0">
-                <a:latin typeface="Courier New" panose="02070309020205020404" pitchFamily="49" charset="0"/>
-                <a:cs typeface="Courier New" panose="02070309020205020404" pitchFamily="49" charset="0"/>
-              </a:rPr>
-              <a:t>--</a:t>
-            </a:r>
-            <a:r>
-              <a:rPr lang="nl-NL" dirty="0" err="1">
-                <a:latin typeface="Courier New" panose="02070309020205020404" pitchFamily="49" charset="0"/>
-                <a:cs typeface="Courier New" panose="02070309020205020404" pitchFamily="49" charset="0"/>
-              </a:rPr>
-              <a:t>network</a:t>
-            </a:r>
-            <a:r>
-              <a:rPr lang="nl-NL" dirty="0">
-                <a:latin typeface="Courier New" panose="02070309020205020404" pitchFamily="49" charset="0"/>
-                <a:cs typeface="Courier New" panose="02070309020205020404" pitchFamily="49" charset="0"/>
-              </a:rPr>
-              <a:t> </a:t>
-            </a:r>
-            <a:r>
-              <a:rPr lang="nl-NL" dirty="0" err="1">
-                <a:latin typeface="Courier New" panose="02070309020205020404" pitchFamily="49" charset="0"/>
-                <a:cs typeface="Courier New" panose="02070309020205020404" pitchFamily="49" charset="0"/>
-              </a:rPr>
-              <a:t>spark-network</a:t>
-            </a:r>
-            <a:r>
-              <a:rPr lang="nl-NL" dirty="0">
-                <a:latin typeface="Courier New" panose="02070309020205020404" pitchFamily="49" charset="0"/>
-                <a:cs typeface="Courier New" panose="02070309020205020404" pitchFamily="49" charset="0"/>
-              </a:rPr>
-              <a:t> </a:t>
-            </a:r>
-            <a:r>
-              <a:rPr lang="nl-NL" dirty="0" err="1">
-                <a:latin typeface="Courier New" panose="02070309020205020404" pitchFamily="49" charset="0"/>
-                <a:cs typeface="Courier New" panose="02070309020205020404" pitchFamily="49" charset="0"/>
-              </a:rPr>
-              <a:t>gettyimages</a:t>
-            </a:r>
-            <a:r>
-              <a:rPr lang="nl-NL" dirty="0">
-                <a:latin typeface="Courier New" panose="02070309020205020404" pitchFamily="49" charset="0"/>
-                <a:cs typeface="Courier New" panose="02070309020205020404" pitchFamily="49" charset="0"/>
-              </a:rPr>
-              <a:t>/</a:t>
-            </a:r>
-            <a:r>
-              <a:rPr lang="nl-NL" dirty="0" err="1">
-                <a:latin typeface="Courier New" panose="02070309020205020404" pitchFamily="49" charset="0"/>
-                <a:cs typeface="Courier New" panose="02070309020205020404" pitchFamily="49" charset="0"/>
-              </a:rPr>
               <a:t>spark</a:t>
-            </a:r>
-            <a:r>
-              <a:rPr lang="nl-NL" dirty="0">
-                <a:latin typeface="Courier New" panose="02070309020205020404" pitchFamily="49" charset="0"/>
-                <a:cs typeface="Courier New" panose="02070309020205020404" pitchFamily="49" charset="0"/>
-              </a:rPr>
-              <a:t> bin/</a:t>
-            </a:r>
-            <a:r>
-              <a:rPr lang="nl-NL" dirty="0" err="1">
-                <a:latin typeface="Courier New" panose="02070309020205020404" pitchFamily="49" charset="0"/>
-                <a:cs typeface="Courier New" panose="02070309020205020404" pitchFamily="49" charset="0"/>
-              </a:rPr>
-              <a:t>spark</a:t>
-            </a:r>
-            <a:r>
-              <a:rPr lang="nl-NL" dirty="0">
-                <a:latin typeface="Courier New" panose="02070309020205020404" pitchFamily="49" charset="0"/>
-                <a:cs typeface="Courier New" panose="02070309020205020404" pitchFamily="49" charset="0"/>
-              </a:rPr>
-              <a:t>-class </a:t>
-            </a:r>
-            <a:r>
-              <a:rPr lang="nl-NL" dirty="0" err="1">
-                <a:latin typeface="Courier New" panose="02070309020205020404" pitchFamily="49" charset="0"/>
-                <a:cs typeface="Courier New" panose="02070309020205020404" pitchFamily="49" charset="0"/>
-              </a:rPr>
-              <a:t>org.apache.spark.deploy.worker.Worker</a:t>
-            </a:r>
-            <a:r>
-              <a:rPr lang="nl-NL" dirty="0">
-                <a:latin typeface="Courier New" panose="02070309020205020404" pitchFamily="49" charset="0"/>
-                <a:cs typeface="Courier New" panose="02070309020205020404" pitchFamily="49" charset="0"/>
-              </a:rPr>
-              <a:t> spark://spark-master:7077</a:t>
             </a:r>
             <a:endParaRPr lang="nl-NL" dirty="0">
               <a:latin typeface="Courier New" panose="02070309020205020404" pitchFamily="49" charset="0"/>
@@ -4707,7 +4757,27 @@
           <a:p>
             <a:r>
               <a:rPr lang="en-US" dirty="0" smtClean="0"/>
-              <a:t>The example assumes that you are deploying the master and the slave on the same machine. When deploying slaves on other machines, use the correct master IP. </a:t>
+              <a:t>The example assumes that you are deploying the master and the </a:t>
+            </a:r>
+            <a:r>
+              <a:rPr lang="en-US" dirty="0" smtClean="0"/>
+              <a:t>worker </a:t>
+            </a:r>
+            <a:r>
+              <a:rPr lang="en-US" dirty="0" smtClean="0"/>
+              <a:t>on the same machine. When deploying </a:t>
+            </a:r>
+            <a:r>
+              <a:rPr lang="en-US" dirty="0" smtClean="0"/>
+              <a:t>workers</a:t>
+            </a:r>
+            <a:r>
+              <a:rPr lang="en-US" dirty="0" smtClean="0"/>
+              <a:t> </a:t>
+            </a:r>
+            <a:r>
+              <a:rPr lang="en-US" dirty="0" smtClean="0"/>
+              <a:t>on other machines, use the correct master IP. </a:t>
             </a:r>
           </a:p>
           <a:p>
@@ -4957,46 +5027,116 @@
           <a:p>
             <a:pPr lvl="2"/>
             <a:r>
+              <a:rPr lang="en-US" dirty="0" err="1" smtClean="0">
+                <a:latin typeface="Courier New" panose="02070309020205020404" pitchFamily="49" charset="0"/>
+                <a:cs typeface="Courier New" panose="02070309020205020404" pitchFamily="49" charset="0"/>
+              </a:rPr>
+              <a:t>docker</a:t>
+            </a:r>
+            <a:r>
               <a:rPr lang="en-US" dirty="0" smtClean="0">
                 <a:latin typeface="Courier New" panose="02070309020205020404" pitchFamily="49" charset="0"/>
                 <a:cs typeface="Courier New" panose="02070309020205020404" pitchFamily="49" charset="0"/>
               </a:rPr>
-              <a:t>./</a:t>
+              <a:t> </a:t>
             </a:r>
             <a:r>
               <a:rPr lang="en-US" dirty="0">
                 <a:latin typeface="Courier New" panose="02070309020205020404" pitchFamily="49" charset="0"/>
                 <a:cs typeface="Courier New" panose="02070309020205020404" pitchFamily="49" charset="0"/>
               </a:rPr>
-              <a:t>spark-submit --class </a:t>
+              <a:t>run --</a:t>
             </a:r>
             <a:r>
               <a:rPr lang="en-US" dirty="0" err="1">
                 <a:latin typeface="Courier New" panose="02070309020205020404" pitchFamily="49" charset="0"/>
                 <a:cs typeface="Courier New" panose="02070309020205020404" pitchFamily="49" charset="0"/>
               </a:rPr>
-              <a:t>nl.rug.sc.app.SparkSubmitMain</a:t>
+              <a:t>rm</a:t>
             </a:r>
             <a:r>
               <a:rPr lang="en-US" dirty="0">
                 <a:latin typeface="Courier New" panose="02070309020205020404" pitchFamily="49" charset="0"/>
                 <a:cs typeface="Courier New" panose="02070309020205020404" pitchFamily="49" charset="0"/>
               </a:rPr>
-              <a:t> --deploy-mode client --master spark://localhost:7077 &lt;your-path-to&gt;/spark-</a:t>
+              <a:t> -v /path/to/jar/:/</a:t>
+            </a:r>
+            <a:r>
+              <a:rPr lang="en-US" dirty="0" smtClean="0">
+                <a:latin typeface="Courier New" panose="02070309020205020404" pitchFamily="49" charset="0"/>
+                <a:cs typeface="Courier New" panose="02070309020205020404" pitchFamily="49" charset="0"/>
+              </a:rPr>
+              <a:t>spark-submit-</a:t>
+            </a:r>
+            <a:r>
+              <a:rPr lang="en-US" dirty="0" err="1" smtClean="0">
+                <a:latin typeface="Courier New" panose="02070309020205020404" pitchFamily="49" charset="0"/>
+                <a:cs typeface="Courier New" panose="02070309020205020404" pitchFamily="49" charset="0"/>
+              </a:rPr>
+              <a:t>dir</a:t>
+            </a:r>
+            <a:r>
+              <a:rPr lang="en-US" dirty="0" smtClean="0">
+                <a:latin typeface="Courier New" panose="02070309020205020404" pitchFamily="49" charset="0"/>
+                <a:cs typeface="Courier New" panose="02070309020205020404" pitchFamily="49" charset="0"/>
+              </a:rPr>
+              <a:t>/ </a:t>
+            </a:r>
+            <a:r>
+              <a:rPr lang="en-US" dirty="0">
+                <a:latin typeface="Courier New" panose="02070309020205020404" pitchFamily="49" charset="0"/>
+                <a:cs typeface="Courier New" panose="02070309020205020404" pitchFamily="49" charset="0"/>
+              </a:rPr>
+              <a:t>--name spark-submit --network spark-network </a:t>
             </a:r>
             <a:r>
               <a:rPr lang="en-US" dirty="0" err="1">
                 <a:latin typeface="Courier New" panose="02070309020205020404" pitchFamily="49" charset="0"/>
                 <a:cs typeface="Courier New" panose="02070309020205020404" pitchFamily="49" charset="0"/>
               </a:rPr>
-              <a:t>bootcamp</a:t>
+              <a:t>bitnami</a:t>
             </a:r>
             <a:r>
               <a:rPr lang="en-US" dirty="0">
                 <a:latin typeface="Courier New" panose="02070309020205020404" pitchFamily="49" charset="0"/>
                 <a:cs typeface="Courier New" panose="02070309020205020404" pitchFamily="49" charset="0"/>
               </a:rPr>
-              <a:t>/target/scala-2.11/spark-bootcamp-assembly-0.1.jar</a:t>
+              <a:t>/spark spark-submit --master spark://spark-master:7077 --class </a:t>
+            </a:r>
+            <a:r>
+              <a:rPr lang="en-US" dirty="0" err="1">
+                <a:latin typeface="Courier New" panose="02070309020205020404" pitchFamily="49" charset="0"/>
+                <a:cs typeface="Courier New" panose="02070309020205020404" pitchFamily="49" charset="0"/>
+              </a:rPr>
+              <a:t>nl.rug.sc.app.SparkSubmitMain</a:t>
+            </a:r>
+            <a:r>
+              <a:rPr lang="en-US" dirty="0">
+                <a:latin typeface="Courier New" panose="02070309020205020404" pitchFamily="49" charset="0"/>
+                <a:cs typeface="Courier New" panose="02070309020205020404" pitchFamily="49" charset="0"/>
+              </a:rPr>
+              <a:t> --deploy-mode client /</a:t>
+            </a:r>
+            <a:r>
+              <a:rPr lang="en-US" dirty="0" smtClean="0">
+                <a:latin typeface="Courier New" panose="02070309020205020404" pitchFamily="49" charset="0"/>
+                <a:cs typeface="Courier New" panose="02070309020205020404" pitchFamily="49" charset="0"/>
+              </a:rPr>
+              <a:t>spark-submit-</a:t>
+            </a:r>
+            <a:r>
+              <a:rPr lang="en-US" dirty="0" err="1" smtClean="0">
+                <a:latin typeface="Courier New" panose="02070309020205020404" pitchFamily="49" charset="0"/>
+                <a:cs typeface="Courier New" panose="02070309020205020404" pitchFamily="49" charset="0"/>
+              </a:rPr>
+              <a:t>dir</a:t>
+            </a:r>
+            <a:r>
+              <a:rPr lang="en-US" dirty="0" smtClean="0">
+                <a:latin typeface="Courier New" panose="02070309020205020404" pitchFamily="49" charset="0"/>
+                <a:cs typeface="Courier New" panose="02070309020205020404" pitchFamily="49" charset="0"/>
+              </a:rPr>
+              <a:t>/spark-bootcamp-assembly-0.1.jar</a:t>
             </a:r>
             <a:endParaRPr lang="en-US" dirty="0" smtClean="0">
               <a:latin typeface="Courier New" panose="02070309020205020404" pitchFamily="49" charset="0"/>
@@ -5277,20 +5417,29 @@
           <a:p>
             <a:r>
               <a:rPr lang="en-GB" u="sng" dirty="0" smtClean="0"/>
-              <a:t>Do </a:t>
+              <a:t>Always use the </a:t>
             </a:r>
             <a:r>
               <a:rPr lang="en-GB" b="1" u="sng" dirty="0" smtClean="0"/>
-              <a:t>NOT</a:t>
+              <a:t>latest version </a:t>
             </a:r>
             <a:r>
               <a:rPr lang="en-GB" u="sng" dirty="0" smtClean="0"/>
-              <a:t> use Spark 1.6 or lower</a:t>
+              <a:t>of Spark.</a:t>
             </a:r>
             <a:r>
               <a:rPr lang="en-GB" dirty="0" smtClean="0"/>
-              <a:t>, only use the latest version (=2.4.0), be mindful of online tutorials that still use Spark 1.6 or older.</a:t>
-            </a:r>
+              <a:t> Be </a:t>
+            </a:r>
+            <a:r>
+              <a:rPr lang="en-GB" dirty="0" smtClean="0"/>
+              <a:t>mindful of online tutorials that still </a:t>
+            </a:r>
+            <a:r>
+              <a:rPr lang="en-GB" dirty="0" smtClean="0"/>
+              <a:t>use older version of Spark.</a:t>
+            </a:r>
+            <a:endParaRPr lang="en-GB" dirty="0" smtClean="0"/>
           </a:p>
           <a:p>
             <a:r>
@@ -5421,8 +5570,17 @@
             </a:r>
             <a:r>
               <a:rPr lang="nl-NL" u="sng" dirty="0" smtClean="0"/>
-              <a:t>latest version of IntelliJ</a:t>
-            </a:r>
+              <a:t>latest version of </a:t>
+            </a:r>
+            <a:r>
+              <a:rPr lang="nl-NL" u="sng" dirty="0" err="1" smtClean="0"/>
+              <a:t>IntelliJ</a:t>
+            </a:r>
+            <a:r>
+              <a:rPr lang="nl-NL" u="sng" dirty="0" smtClean="0"/>
+              <a:t>.</a:t>
+            </a:r>
+            <a:endParaRPr lang="nl-NL" u="sng" dirty="0" smtClean="0"/>
           </a:p>
           <a:p>
             <a:endParaRPr lang="nl-NL" dirty="0"/>
@@ -5450,11 +5608,95 @@
             </a:r>
             <a:r>
               <a:rPr lang="nl-NL" dirty="0"/>
-              <a:t>”, try updating and/or restarting </a:t>
+              <a:t>”, try updating and/or </a:t>
+            </a:r>
+            <a:r>
+              <a:rPr lang="nl-NL" dirty="0" err="1"/>
+              <a:t>restarting</a:t>
+            </a:r>
+            <a:r>
+              <a:rPr lang="nl-NL" dirty="0"/>
+              <a:t> </a:t>
+            </a:r>
+            <a:r>
+              <a:rPr lang="nl-NL" dirty="0" err="1" smtClean="0"/>
+              <a:t>IntelliJ</a:t>
             </a:r>
             <a:r>
               <a:rPr lang="nl-NL" dirty="0" smtClean="0"/>
+              <a:t>, </a:t>
+            </a:r>
+            <a:r>
+              <a:rPr lang="nl-NL" dirty="0" err="1" smtClean="0"/>
+              <a:t>and</a:t>
+            </a:r>
+            <a:r>
+              <a:rPr lang="nl-NL" dirty="0" smtClean="0"/>
+              <a:t> make </a:t>
+            </a:r>
+            <a:r>
+              <a:rPr lang="nl-NL" dirty="0" err="1" smtClean="0"/>
+              <a:t>sure</a:t>
+            </a:r>
+            <a:r>
+              <a:rPr lang="nl-NL" dirty="0" smtClean="0"/>
+              <a:t> </a:t>
+            </a:r>
+            <a:r>
+              <a:rPr lang="nl-NL" dirty="0" err="1" smtClean="0"/>
+              <a:t>you</a:t>
+            </a:r>
+            <a:r>
+              <a:rPr lang="nl-NL" dirty="0" smtClean="0"/>
+              <a:t> have </a:t>
+            </a:r>
+            <a:r>
+              <a:rPr lang="nl-NL" dirty="0" err="1" smtClean="0"/>
+              <a:t>configured</a:t>
+            </a:r>
+            <a:r>
+              <a:rPr lang="nl-NL" dirty="0" smtClean="0"/>
+              <a:t> </a:t>
+            </a:r>
+            <a:r>
+              <a:rPr lang="nl-NL" dirty="0" err="1" smtClean="0"/>
               <a:t>IntelliJ</a:t>
+            </a:r>
+            <a:r>
+              <a:rPr lang="nl-NL" dirty="0" smtClean="0"/>
+              <a:t> </a:t>
+            </a:r>
+            <a:r>
+              <a:rPr lang="nl-NL" dirty="0" err="1" smtClean="0"/>
+              <a:t>to</a:t>
+            </a:r>
+            <a:r>
+              <a:rPr lang="nl-NL" dirty="0" smtClean="0"/>
+              <a:t> </a:t>
+            </a:r>
+            <a:r>
+              <a:rPr lang="nl-NL" dirty="0" err="1" smtClean="0"/>
+              <a:t>include</a:t>
+            </a:r>
+            <a:r>
+              <a:rPr lang="nl-NL" dirty="0" smtClean="0"/>
+              <a:t> </a:t>
+            </a:r>
+            <a:r>
+              <a:rPr lang="nl-NL" dirty="0" err="1" smtClean="0"/>
+              <a:t>provided</a:t>
+            </a:r>
+            <a:r>
+              <a:rPr lang="nl-NL" dirty="0" smtClean="0"/>
+              <a:t> </a:t>
+            </a:r>
+            <a:r>
+              <a:rPr lang="nl-NL" dirty="0" err="1" smtClean="0"/>
+              <a:t>dependencies</a:t>
+            </a:r>
+            <a:r>
+              <a:rPr lang="nl-NL" dirty="0" smtClean="0"/>
+              <a:t>.</a:t>
             </a:r>
             <a:endParaRPr lang="nl-NL" dirty="0"/>
           </a:p>
@@ -5759,23 +6001,15 @@
             </a:r>
             <a:r>
               <a:rPr lang="en-US" u="sng" dirty="0" smtClean="0"/>
-              <a:t>Create Pull Request on </a:t>
+              <a:t>Create Pull Request on Tuesday before the deadline at </a:t>
             </a:r>
             <a:r>
               <a:rPr lang="en-US" u="sng" dirty="0" smtClean="0"/>
-              <a:t>Tuesday</a:t>
+              <a:t>12</a:t>
             </a:r>
             <a:r>
               <a:rPr lang="en-US" u="sng" dirty="0" smtClean="0"/>
-              <a:t> </a:t>
-            </a:r>
-            <a:r>
-              <a:rPr lang="en-US" u="sng" dirty="0" smtClean="0"/>
-              <a:t>before the deadline at </a:t>
-            </a:r>
-            <a:r>
-              <a:rPr lang="en-US" u="sng" dirty="0" smtClean="0"/>
-              <a:t>08:00</a:t>
+              <a:t>:00</a:t>
             </a:r>
             <a:endParaRPr lang="en-US" u="sng" dirty="0" smtClean="0"/>
           </a:p>
@@ -6504,12 +6738,6 @@
           <a:p>
             <a:r>
               <a:rPr lang="en-US" dirty="0" smtClean="0"/>
-              <a:t>Worker and Slave are used interchangeably in these slides</a:t>
-            </a:r>
-          </a:p>
-          <a:p>
-            <a:r>
-              <a:rPr lang="en-US" dirty="0" smtClean="0"/>
               <a:t>Spark/</a:t>
             </a:r>
             <a:r>
@@ -6518,7 +6746,11 @@
             </a:r>
             <a:r>
               <a:rPr lang="en-US" dirty="0" smtClean="0"/>
-              <a:t> details will be covered during lectures</a:t>
+              <a:t> </a:t>
+            </a:r>
+            <a:r>
+              <a:rPr lang="en-US" dirty="0" smtClean="0"/>
+              <a:t>details will be covered during lectures</a:t>
             </a:r>
             <a:endParaRPr lang="en-US" dirty="0"/>
           </a:p>
@@ -6881,7 +7113,7 @@
         <p:spPr/>
         <p:txBody>
           <a:bodyPr>
-            <a:normAutofit fontScale="92500"/>
+            <a:normAutofit lnSpcReduction="10000"/>
           </a:bodyPr>
           <a:lstStyle/>
           <a:p>
@@ -6924,7 +7156,15 @@
             <a:pPr lvl="1"/>
             <a:r>
               <a:rPr lang="en-GB" dirty="0" smtClean="0"/>
-              <a:t>Driver, Workers (slave), and Cluster Manager must be able to communicate via the network</a:t>
+              <a:t>Driver, </a:t>
+            </a:r>
+            <a:r>
+              <a:rPr lang="en-GB" dirty="0" smtClean="0"/>
+              <a:t>Workers, </a:t>
+            </a:r>
+            <a:r>
+              <a:rPr lang="en-GB" dirty="0" smtClean="0"/>
+              <a:t>and Cluster Manager must be able to communicate via the network</a:t>
             </a:r>
             <a:endParaRPr lang="en-GB" dirty="0"/>
           </a:p>
@@ -7342,8 +7582,13 @@
           <a:p>
             <a:r>
               <a:rPr lang="en-US" dirty="0" smtClean="0"/>
-              <a:t>Download Spark</a:t>
-            </a:r>
+              <a:t>Download </a:t>
+            </a:r>
+            <a:r>
+              <a:rPr lang="en-US" dirty="0" smtClean="0"/>
+              <a:t>Spark (optional)</a:t>
+            </a:r>
+            <a:endParaRPr lang="en-US" dirty="0" smtClean="0"/>
           </a:p>
           <a:p>
             <a:pPr lvl="1"/>
@@ -7442,11 +7687,7 @@
             </a:r>
             <a:r>
               <a:rPr lang="en-US" dirty="0" smtClean="0"/>
-              <a:t> </a:t>
-            </a:r>
-            <a:r>
-              <a:rPr lang="en-US" dirty="0" smtClean="0"/>
-              <a:t>Project</a:t>
+              <a:t> Project</a:t>
             </a:r>
             <a:endParaRPr lang="en-US" dirty="0"/>
           </a:p>
@@ -7465,7 +7706,7 @@
         <p:spPr/>
         <p:txBody>
           <a:bodyPr>
-            <a:normAutofit lnSpcReduction="10000"/>
+            <a:normAutofit fontScale="92500" lnSpcReduction="20000"/>
           </a:bodyPr>
           <a:lstStyle/>
           <a:p>
@@ -7569,9 +7810,20 @@
             </a:r>
             <a:r>
               <a:rPr lang="en-GB" dirty="0"/>
-              <a:t>/app), follow instructions in the console, and explore the code</a:t>
-            </a:r>
-            <a:endParaRPr lang="en-US" u="sng" dirty="0"/>
+              <a:t>/app), follow instructions in the console, and explore the </a:t>
+            </a:r>
+            <a:r>
+              <a:rPr lang="en-GB" dirty="0" smtClean="0"/>
+              <a:t>code</a:t>
+            </a:r>
+          </a:p>
+          <a:p>
+            <a:pPr lvl="2"/>
+            <a:r>
+              <a:rPr lang="en-GB" dirty="0" smtClean="0"/>
+              <a:t>Configure IntelliJ to include provided dependencies: Run -&gt; Edit Configurations -&gt; Select Spark Local Main -&gt; Modify Options -&gt; Enable “Include dependencies with Provided scope”.</a:t>
+            </a:r>
+            <a:endParaRPr lang="en-US" dirty="0"/>
           </a:p>
           <a:p>
             <a:pPr lvl="1"/>
@@ -7581,7 +7833,23 @@
             </a:r>
             <a:r>
               <a:rPr lang="en-US" dirty="0"/>
-              <a:t>: Spark is only compatible with Scala 2.11.x or 2.10.x. Using 2.12.x will fail</a:t>
+              <a:t>: Spark is only compatible with Scala </a:t>
+            </a:r>
+            <a:r>
+              <a:rPr lang="en-US" dirty="0" smtClean="0"/>
+              <a:t>2.12.x. </a:t>
+            </a:r>
+            <a:r>
+              <a:rPr lang="en-US" dirty="0"/>
+              <a:t>Using </a:t>
+            </a:r>
+            <a:r>
+              <a:rPr lang="en-US" dirty="0" smtClean="0"/>
+              <a:t>2.13.x </a:t>
+            </a:r>
+            <a:r>
+              <a:rPr lang="en-US" dirty="0"/>
+              <a:t>will fail</a:t>
             </a:r>
             <a:r>
               <a:rPr lang="en-US" dirty="0" smtClean="0"/>
@@ -7687,11 +7955,7 @@
             </a:r>
             <a:r>
               <a:rPr lang="en-GB" dirty="0" smtClean="0"/>
-              <a:t> </a:t>
-            </a:r>
-            <a:r>
-              <a:rPr lang="en-GB" dirty="0" smtClean="0"/>
-              <a:t>Project II</a:t>
+              <a:t> Project II</a:t>
             </a:r>
             <a:endParaRPr lang="en-US" dirty="0"/>
           </a:p>
@@ -7724,11 +7988,7 @@
             </a:r>
             <a:r>
               <a:rPr lang="en-GB" dirty="0" smtClean="0"/>
-              <a:t> </a:t>
-            </a:r>
-            <a:r>
-              <a:rPr lang="en-GB" dirty="0" smtClean="0"/>
-              <a:t>project shows how to use Spark</a:t>
+              <a:t> project shows how to use Spark</a:t>
             </a:r>
           </a:p>
           <a:p>
